--- a/demo/Phish Hunter.pptx
+++ b/demo/Phish Hunter.pptx
@@ -6232,7 +6232,7 @@
           <a:p>
             <a:fld id="{D1D1EADE-8E88-4C7C-8AC5-FB148DE4940E}" type="datetime1">
               <a:rPr lang="en-US" smtClean="0"/>
-              <a:t>9/13/2025</a:t>
+              <a:t>9/14/2025</a:t>
             </a:fld>
             <a:endParaRPr lang="en-US"/>
           </a:p>
@@ -6566,7 +6566,7 @@
           <a:p>
             <a:fld id="{E31BA835-12AC-4E8F-955A-EA3F4DE2791F}" type="datetime1">
               <a:rPr lang="en-US" smtClean="0"/>
-              <a:t>9/13/2025</a:t>
+              <a:t>9/14/2025</a:t>
             </a:fld>
             <a:endParaRPr lang="en-US"/>
           </a:p>
@@ -6845,7 +6845,7 @@
           <a:p>
             <a:fld id="{E31BA835-12AC-4E8F-955A-EA3F4DE2791F}" type="datetime1">
               <a:rPr lang="en-US" smtClean="0"/>
-              <a:t>9/13/2025</a:t>
+              <a:t>9/14/2025</a:t>
             </a:fld>
             <a:endParaRPr lang="en-US"/>
           </a:p>
@@ -7414,7 +7414,7 @@
           <a:p>
             <a:fld id="{E31BA835-12AC-4E8F-955A-EA3F4DE2791F}" type="datetime1">
               <a:rPr lang="en-US" smtClean="0"/>
-              <a:t>9/13/2025</a:t>
+              <a:t>9/14/2025</a:t>
             </a:fld>
             <a:endParaRPr lang="en-US"/>
           </a:p>
@@ -7693,7 +7693,7 @@
           <a:p>
             <a:fld id="{E31BA835-12AC-4E8F-955A-EA3F4DE2791F}" type="datetime1">
               <a:rPr lang="en-US" smtClean="0"/>
-              <a:t>9/13/2025</a:t>
+              <a:t>9/14/2025</a:t>
             </a:fld>
             <a:endParaRPr lang="en-US"/>
           </a:p>
@@ -8256,7 +8256,7 @@
           <a:p>
             <a:fld id="{E31BA835-12AC-4E8F-955A-EA3F4DE2791F}" type="datetime1">
               <a:rPr lang="en-US" smtClean="0"/>
-              <a:t>9/13/2025</a:t>
+              <a:t>9/14/2025</a:t>
             </a:fld>
             <a:endParaRPr lang="en-US"/>
           </a:p>
@@ -8584,7 +8584,7 @@
           <a:p>
             <a:fld id="{E31BA835-12AC-4E8F-955A-EA3F4DE2791F}" type="datetime1">
               <a:rPr lang="en-US" smtClean="0"/>
-              <a:t>9/13/2025</a:t>
+              <a:t>9/14/2025</a:t>
             </a:fld>
             <a:endParaRPr lang="en-US"/>
           </a:p>
@@ -8762,7 +8762,7 @@
           <a:p>
             <a:fld id="{EC3C8B9C-477D-492A-96AD-1FC2CC997A73}" type="datetime1">
               <a:rPr lang="en-US" smtClean="0"/>
-              <a:t>9/13/2025</a:t>
+              <a:t>9/14/2025</a:t>
             </a:fld>
             <a:endParaRPr lang="en-US"/>
           </a:p>
@@ -9000,7 +9000,7 @@
           <a:p>
             <a:fld id="{42D3AED5-E26D-4E29-B1B3-7847B6779594}" type="datetime1">
               <a:rPr lang="en-US" smtClean="0"/>
-              <a:t>9/13/2025</a:t>
+              <a:t>9/14/2025</a:t>
             </a:fld>
             <a:endParaRPr lang="en-US"/>
           </a:p>
@@ -9200,7 +9200,7 @@
           <a:p>
             <a:fld id="{157B6794-849E-4626-908B-D15793550EFB}" type="datetime1">
               <a:rPr lang="en-US" smtClean="0"/>
-              <a:t>9/13/2025</a:t>
+              <a:t>9/14/2025</a:t>
             </a:fld>
             <a:endParaRPr lang="en-US"/>
           </a:p>
@@ -9476,7 +9476,7 @@
           <a:p>
             <a:fld id="{63DB64E7-5594-42A3-ADBF-E95A7ACEAD64}" type="datetime1">
               <a:rPr lang="en-US" smtClean="0"/>
-              <a:t>9/13/2025</a:t>
+              <a:t>9/14/2025</a:t>
             </a:fld>
             <a:endParaRPr lang="en-US"/>
           </a:p>
@@ -9742,7 +9742,7 @@
           <a:p>
             <a:fld id="{18462B0B-D248-4FFB-8695-AD7FA4B1284A}" type="datetime1">
               <a:rPr lang="en-US" smtClean="0"/>
-              <a:t>9/13/2025</a:t>
+              <a:t>9/14/2025</a:t>
             </a:fld>
             <a:endParaRPr lang="en-US"/>
           </a:p>
@@ -10116,7 +10116,7 @@
           <a:p>
             <a:fld id="{D0378EFB-9159-4510-B73F-4F0409ADE937}" type="datetime1">
               <a:rPr lang="en-US" smtClean="0"/>
-              <a:t>9/13/2025</a:t>
+              <a:t>9/14/2025</a:t>
             </a:fld>
             <a:endParaRPr lang="en-US"/>
           </a:p>
@@ -10264,7 +10264,7 @@
           <a:p>
             <a:fld id="{89BC9412-2452-4BED-A324-9D8C115361AD}" type="datetime1">
               <a:rPr lang="en-US" smtClean="0"/>
-              <a:t>9/13/2025</a:t>
+              <a:t>9/14/2025</a:t>
             </a:fld>
             <a:endParaRPr lang="en-US"/>
           </a:p>
@@ -10389,7 +10389,7 @@
           <a:p>
             <a:fld id="{F5318F62-D251-40E8-A23C-F4CFE9FEAB41}" type="datetime1">
               <a:rPr lang="en-US" smtClean="0"/>
-              <a:t>9/13/2025</a:t>
+              <a:t>9/14/2025</a:t>
             </a:fld>
             <a:endParaRPr lang="en-US"/>
           </a:p>
@@ -10674,7 +10674,7 @@
           <a:p>
             <a:fld id="{44F76144-149E-4874-93A5-554A0357CF82}" type="datetime1">
               <a:rPr lang="en-US" smtClean="0"/>
-              <a:t>9/13/2025</a:t>
+              <a:t>9/14/2025</a:t>
             </a:fld>
             <a:endParaRPr lang="en-US"/>
           </a:p>
@@ -10998,7 +10998,7 @@
           <a:p>
             <a:fld id="{50BA65D8-0540-4835-AE5C-25D29DBA01BE}" type="datetime1">
               <a:rPr lang="en-US" smtClean="0"/>
-              <a:t>9/13/2025</a:t>
+              <a:t>9/14/2025</a:t>
             </a:fld>
             <a:endParaRPr lang="en-US"/>
           </a:p>
@@ -11212,7 +11212,7 @@
           <a:p>
             <a:fld id="{E31BA835-12AC-4E8F-955A-EA3F4DE2791F}" type="datetime1">
               <a:rPr lang="en-US" smtClean="0"/>
-              <a:t>9/13/2025</a:t>
+              <a:t>9/14/2025</a:t>
             </a:fld>
             <a:endParaRPr lang="en-US"/>
           </a:p>
@@ -18362,41 +18362,6 @@
           </a:p>
         </p:txBody>
       </p:sp>
-      <p:pic>
-        <p:nvPicPr>
-          <p:cNvPr id="5" name="Content Placeholder 4" descr="A screenshot of a computer&#10;&#10;Description automatically generated">
-            <a:extLst>
-              <a:ext uri="{FF2B5EF4-FFF2-40B4-BE49-F238E27FC236}">
-                <a16:creationId xmlns:a16="http://schemas.microsoft.com/office/drawing/2014/main" id="{E8651DDC-46D4-65B6-B2D9-20BCA087CFA9}"/>
-              </a:ext>
-            </a:extLst>
-          </p:cNvPr>
-          <p:cNvPicPr>
-            <a:picLocks noGrp="1" noChangeAspect="1"/>
-          </p:cNvPicPr>
-          <p:nvPr>
-            <p:ph idx="1"/>
-          </p:nvPr>
-        </p:nvPicPr>
-        <p:blipFill>
-          <a:blip r:embed="rId2">
-            <a:extLst>
-              <a:ext uri="{28A0092B-C50C-407E-A947-70E740481C1C}">
-                <a14:useLocalDpi xmlns:a14="http://schemas.microsoft.com/office/drawing/2010/main" val="0"/>
-              </a:ext>
-            </a:extLst>
-          </a:blip>
-          <a:stretch>
-            <a:fillRect/>
-          </a:stretch>
-        </p:blipFill>
-        <p:spPr>
-          <a:xfrm>
-            <a:off x="4774435" y="2065867"/>
-            <a:ext cx="7250055" cy="3649662"/>
-          </a:xfrm>
-        </p:spPr>
-      </p:pic>
       <p:sp>
         <p:nvSpPr>
           <p:cNvPr id="6" name="TextBox 5">
@@ -18446,12 +18411,8 @@
               <a:buChar char="•"/>
             </a:pPr>
             <a:r>
-              <a:rPr lang="en-ZA" sz="2400" dirty="0" err="1"/>
-              <a:t>Javascript</a:t>
-            </a:r>
-            <a:r>
               <a:rPr lang="en-ZA" sz="2400" dirty="0"/>
-              <a:t>, html, </a:t>
+              <a:t>JavaScript, html, </a:t>
             </a:r>
             <a:r>
               <a:rPr lang="en-ZA" sz="2400" dirty="0" err="1"/>
@@ -18461,6 +18422,41 @@
           </a:p>
         </p:txBody>
       </p:sp>
+      <p:pic>
+        <p:nvPicPr>
+          <p:cNvPr id="8" name="Content Placeholder 7" descr="A screenshot of a computer&#10;&#10;Description automatically generated">
+            <a:extLst>
+              <a:ext uri="{FF2B5EF4-FFF2-40B4-BE49-F238E27FC236}">
+                <a16:creationId xmlns:a16="http://schemas.microsoft.com/office/drawing/2014/main" id="{B67BBDB3-529F-85D0-00D9-049C65625F79}"/>
+              </a:ext>
+            </a:extLst>
+          </p:cNvPr>
+          <p:cNvPicPr>
+            <a:picLocks noGrp="1" noChangeAspect="1"/>
+          </p:cNvPicPr>
+          <p:nvPr>
+            <p:ph idx="1"/>
+          </p:nvPr>
+        </p:nvPicPr>
+        <p:blipFill>
+          <a:blip r:embed="rId2">
+            <a:extLst>
+              <a:ext uri="{28A0092B-C50C-407E-A947-70E740481C1C}">
+                <a14:useLocalDpi xmlns:a14="http://schemas.microsoft.com/office/drawing/2010/main" val="0"/>
+              </a:ext>
+            </a:extLst>
+          </a:blip>
+          <a:stretch>
+            <a:fillRect/>
+          </a:stretch>
+        </p:blipFill>
+        <p:spPr>
+          <a:xfrm>
+            <a:off x="4458906" y="1717332"/>
+            <a:ext cx="7580693" cy="3867864"/>
+          </a:xfrm>
+        </p:spPr>
+      </p:pic>
     </p:spTree>
     <p:extLst>
       <p:ext uri="{BB962C8B-B14F-4D97-AF65-F5344CB8AC3E}">
